--- a/오라클 입문/표지화면 - 배 - 아현이 그림.pptx
+++ b/오라클 입문/표지화면 - 배 - 아현이 그림.pptx
@@ -6,6 +6,7 @@
   </p:sldMasterIdLst>
   <p:sldIdLst>
     <p:sldId id="264" r:id="rId2"/>
+    <p:sldId id="265" r:id="rId3"/>
   </p:sldIdLst>
   <p:sldSz cx="12192000" cy="6858000"/>
   <p:notesSz cx="6858000" cy="9144000"/>
@@ -243,7 +244,7 @@
           <a:p>
             <a:fld id="{B58152FC-2466-41C1-A413-6F429B6A1989}" type="datetimeFigureOut">
               <a:rPr lang="ko-KR" altLang="en-US" smtClean="0"/>
-              <a:t>2023-02-17</a:t>
+              <a:t>2023-03-08</a:t>
             </a:fld>
             <a:endParaRPr lang="ko-KR" altLang="en-US"/>
           </a:p>
@@ -413,7 +414,7 @@
           <a:p>
             <a:fld id="{B58152FC-2466-41C1-A413-6F429B6A1989}" type="datetimeFigureOut">
               <a:rPr lang="ko-KR" altLang="en-US" smtClean="0"/>
-              <a:t>2023-02-17</a:t>
+              <a:t>2023-03-08</a:t>
             </a:fld>
             <a:endParaRPr lang="ko-KR" altLang="en-US"/>
           </a:p>
@@ -593,7 +594,7 @@
           <a:p>
             <a:fld id="{B58152FC-2466-41C1-A413-6F429B6A1989}" type="datetimeFigureOut">
               <a:rPr lang="ko-KR" altLang="en-US" smtClean="0"/>
-              <a:t>2023-02-17</a:t>
+              <a:t>2023-03-08</a:t>
             </a:fld>
             <a:endParaRPr lang="ko-KR" altLang="en-US"/>
           </a:p>
@@ -763,7 +764,7 @@
           <a:p>
             <a:fld id="{B58152FC-2466-41C1-A413-6F429B6A1989}" type="datetimeFigureOut">
               <a:rPr lang="ko-KR" altLang="en-US" smtClean="0"/>
-              <a:t>2023-02-17</a:t>
+              <a:t>2023-03-08</a:t>
             </a:fld>
             <a:endParaRPr lang="ko-KR" altLang="en-US"/>
           </a:p>
@@ -1009,7 +1010,7 @@
           <a:p>
             <a:fld id="{B58152FC-2466-41C1-A413-6F429B6A1989}" type="datetimeFigureOut">
               <a:rPr lang="ko-KR" altLang="en-US" smtClean="0"/>
-              <a:t>2023-02-17</a:t>
+              <a:t>2023-03-08</a:t>
             </a:fld>
             <a:endParaRPr lang="ko-KR" altLang="en-US"/>
           </a:p>
@@ -1241,7 +1242,7 @@
           <a:p>
             <a:fld id="{B58152FC-2466-41C1-A413-6F429B6A1989}" type="datetimeFigureOut">
               <a:rPr lang="ko-KR" altLang="en-US" smtClean="0"/>
-              <a:t>2023-02-17</a:t>
+              <a:t>2023-03-08</a:t>
             </a:fld>
             <a:endParaRPr lang="ko-KR" altLang="en-US"/>
           </a:p>
@@ -1608,7 +1609,7 @@
           <a:p>
             <a:fld id="{B58152FC-2466-41C1-A413-6F429B6A1989}" type="datetimeFigureOut">
               <a:rPr lang="ko-KR" altLang="en-US" smtClean="0"/>
-              <a:t>2023-02-17</a:t>
+              <a:t>2023-03-08</a:t>
             </a:fld>
             <a:endParaRPr lang="ko-KR" altLang="en-US"/>
           </a:p>
@@ -1726,7 +1727,7 @@
           <a:p>
             <a:fld id="{B58152FC-2466-41C1-A413-6F429B6A1989}" type="datetimeFigureOut">
               <a:rPr lang="ko-KR" altLang="en-US" smtClean="0"/>
-              <a:t>2023-02-17</a:t>
+              <a:t>2023-03-08</a:t>
             </a:fld>
             <a:endParaRPr lang="ko-KR" altLang="en-US"/>
           </a:p>
@@ -1821,7 +1822,7 @@
           <a:p>
             <a:fld id="{B58152FC-2466-41C1-A413-6F429B6A1989}" type="datetimeFigureOut">
               <a:rPr lang="ko-KR" altLang="en-US" smtClean="0"/>
-              <a:t>2023-02-17</a:t>
+              <a:t>2023-03-08</a:t>
             </a:fld>
             <a:endParaRPr lang="ko-KR" altLang="en-US"/>
           </a:p>
@@ -2098,7 +2099,7 @@
           <a:p>
             <a:fld id="{B58152FC-2466-41C1-A413-6F429B6A1989}" type="datetimeFigureOut">
               <a:rPr lang="ko-KR" altLang="en-US" smtClean="0"/>
-              <a:t>2023-02-17</a:t>
+              <a:t>2023-03-08</a:t>
             </a:fld>
             <a:endParaRPr lang="ko-KR" altLang="en-US"/>
           </a:p>
@@ -2351,7 +2352,7 @@
           <a:p>
             <a:fld id="{B58152FC-2466-41C1-A413-6F429B6A1989}" type="datetimeFigureOut">
               <a:rPr lang="ko-KR" altLang="en-US" smtClean="0"/>
-              <a:t>2023-02-17</a:t>
+              <a:t>2023-03-08</a:t>
             </a:fld>
             <a:endParaRPr lang="ko-KR" altLang="en-US"/>
           </a:p>
@@ -2564,7 +2565,7 @@
           <a:p>
             <a:fld id="{B58152FC-2466-41C1-A413-6F429B6A1989}" type="datetimeFigureOut">
               <a:rPr lang="ko-KR" altLang="en-US" smtClean="0"/>
-              <a:t>2023-02-17</a:t>
+              <a:t>2023-03-08</a:t>
             </a:fld>
             <a:endParaRPr lang="ko-KR" altLang="en-US"/>
           </a:p>
@@ -3091,18 +3092,7 @@
                 <a:latin typeface="Microsoft YaHei" panose="020B0503020204020204" pitchFamily="34" charset="-122"/>
                 <a:ea typeface="Microsoft YaHei" panose="020B0503020204020204" pitchFamily="34" charset="-122"/>
               </a:rPr>
-              <a:t>오라클 </a:t>
-            </a:r>
-            <a:r>
-              <a:rPr lang="ko-KR" altLang="en-US" sz="9600" b="1" dirty="0" smtClean="0">
-                <a:ln w="0"/>
-                <a:solidFill>
-                  <a:schemeClr val="tx1"/>
-                </a:solidFill>
-                <a:latin typeface="Microsoft YaHei" panose="020B0503020204020204" pitchFamily="34" charset="-122"/>
-                <a:ea typeface="Microsoft YaHei" panose="020B0503020204020204" pitchFamily="34" charset="-122"/>
-              </a:rPr>
-              <a:t>첫걸음</a:t>
+              <a:t>오라클 첫걸음</a:t>
             </a:r>
             <a:r>
               <a:rPr lang="en-US" altLang="ko-KR" sz="9600" b="1" dirty="0" smtClean="0">
@@ -3151,6 +3141,201 @@
     <p:extLst>
       <p:ext uri="{BB962C8B-B14F-4D97-AF65-F5344CB8AC3E}">
         <p14:creationId xmlns:p14="http://schemas.microsoft.com/office/powerpoint/2010/main" val="3003083910"/>
+      </p:ext>
+    </p:extLst>
+  </p:cSld>
+  <p:clrMapOvr>
+    <a:masterClrMapping/>
+  </p:clrMapOvr>
+  <p:timing>
+    <p:tnLst>
+      <p:par>
+        <p:cTn id="1" dur="indefinite" restart="never" nodeType="tmRoot"/>
+      </p:par>
+    </p:tnLst>
+  </p:timing>
+</p:sld>
+</file>
+
+<file path=ppt/slides/slide2.xml><?xml version="1.0" encoding="utf-8"?>
+<p:sld xmlns:a="http://schemas.openxmlformats.org/drawingml/2006/main" xmlns:r="http://schemas.openxmlformats.org/officeDocument/2006/relationships" xmlns:p="http://schemas.openxmlformats.org/presentationml/2006/main">
+  <p:cSld>
+    <p:spTree>
+      <p:nvGrpSpPr>
+        <p:cNvPr id="1" name=""/>
+        <p:cNvGrpSpPr/>
+        <p:nvPr/>
+      </p:nvGrpSpPr>
+      <p:grpSpPr>
+        <a:xfrm>
+          <a:off x="0" y="0"/>
+          <a:ext cx="0" cy="0"/>
+          <a:chOff x="0" y="0"/>
+          <a:chExt cx="0" cy="0"/>
+        </a:xfrm>
+      </p:grpSpPr>
+      <p:pic>
+        <p:nvPicPr>
+          <p:cNvPr id="5" name="그림 4"/>
+          <p:cNvPicPr>
+            <a:picLocks noChangeAspect="1"/>
+          </p:cNvPicPr>
+          <p:nvPr/>
+        </p:nvPicPr>
+        <p:blipFill>
+          <a:blip r:embed="rId2">
+            <a:extLst>
+              <a:ext uri="{28A0092B-C50C-407E-A947-70E740481C1C}">
+                <a14:useLocalDpi xmlns:a14="http://schemas.microsoft.com/office/drawing/2010/main" val="0"/>
+              </a:ext>
+            </a:extLst>
+          </a:blip>
+          <a:stretch>
+            <a:fillRect/>
+          </a:stretch>
+        </p:blipFill>
+        <p:spPr>
+          <a:xfrm>
+            <a:off x="1" y="0"/>
+            <a:ext cx="15598019" cy="8773886"/>
+          </a:xfrm>
+          <a:prstGeom prst="rect">
+            <a:avLst/>
+          </a:prstGeom>
+        </p:spPr>
+      </p:pic>
+      <p:pic>
+        <p:nvPicPr>
+          <p:cNvPr id="17" name="그림 16"/>
+          <p:cNvPicPr>
+            <a:picLocks noChangeAspect="1"/>
+          </p:cNvPicPr>
+          <p:nvPr/>
+        </p:nvPicPr>
+        <p:blipFill>
+          <a:blip r:embed="rId3" cstate="print">
+            <a:extLst>
+              <a:ext uri="{28A0092B-C50C-407E-A947-70E740481C1C}">
+                <a14:useLocalDpi xmlns:a14="http://schemas.microsoft.com/office/drawing/2010/main" val="0"/>
+              </a:ext>
+            </a:extLst>
+          </a:blip>
+          <a:stretch>
+            <a:fillRect/>
+          </a:stretch>
+        </p:blipFill>
+        <p:spPr>
+          <a:xfrm>
+            <a:off x="4268224" y="0"/>
+            <a:ext cx="11329796" cy="5200376"/>
+          </a:xfrm>
+          <a:prstGeom prst="rect">
+            <a:avLst/>
+          </a:prstGeom>
+        </p:spPr>
+      </p:pic>
+      <p:sp>
+        <p:nvSpPr>
+          <p:cNvPr id="18" name="직사각형 17"/>
+          <p:cNvSpPr/>
+          <p:nvPr/>
+        </p:nvSpPr>
+        <p:spPr>
+          <a:xfrm>
+            <a:off x="1281223" y="5602277"/>
+            <a:ext cx="12124267" cy="2196025"/>
+          </a:xfrm>
+          <a:prstGeom prst="rect">
+            <a:avLst/>
+          </a:prstGeom>
+          <a:solidFill>
+            <a:schemeClr val="bg1"/>
+          </a:solidFill>
+          <a:ln>
+            <a:noFill/>
+          </a:ln>
+        </p:spPr>
+        <p:style>
+          <a:lnRef idx="2">
+            <a:schemeClr val="accent1">
+              <a:shade val="50000"/>
+            </a:schemeClr>
+          </a:lnRef>
+          <a:fillRef idx="1">
+            <a:schemeClr val="accent1"/>
+          </a:fillRef>
+          <a:effectRef idx="0">
+            <a:schemeClr val="accent1"/>
+          </a:effectRef>
+          <a:fontRef idx="minor">
+            <a:schemeClr val="lt1"/>
+          </a:fontRef>
+        </p:style>
+        <p:txBody>
+          <a:bodyPr rtlCol="0" anchor="ctr"/>
+          <a:lstStyle/>
+          <a:p>
+            <a:pPr algn="ctr"/>
+            <a:r>
+              <a:rPr lang="en-US" altLang="ko-KR" sz="9600" b="1" dirty="0" smtClean="0">
+                <a:ln w="0"/>
+                <a:solidFill>
+                  <a:schemeClr val="tx1"/>
+                </a:solidFill>
+                <a:latin typeface="Microsoft YaHei" panose="020B0503020204020204" pitchFamily="34" charset="-122"/>
+                <a:ea typeface="Microsoft YaHei" panose="020B0503020204020204" pitchFamily="34" charset="-122"/>
+              </a:rPr>
+              <a:t>              </a:t>
+            </a:r>
+            <a:r>
+              <a:rPr lang="en-US" altLang="ko-KR" sz="9600" b="1" dirty="0" smtClean="0">
+                <a:ln w="0"/>
+                <a:solidFill>
+                  <a:schemeClr val="tx1"/>
+                </a:solidFill>
+                <a:latin typeface="+mj-ea"/>
+                <a:ea typeface="+mj-ea"/>
+              </a:rPr>
+              <a:t>First Step</a:t>
+            </a:r>
+            <a:endParaRPr lang="ko-KR" altLang="en-US" sz="3600" dirty="0">
+              <a:solidFill>
+                <a:schemeClr val="tx1"/>
+              </a:solidFill>
+              <a:latin typeface="+mj-ea"/>
+              <a:ea typeface="+mj-ea"/>
+            </a:endParaRPr>
+          </a:p>
+        </p:txBody>
+      </p:sp>
+      <p:pic>
+        <p:nvPicPr>
+          <p:cNvPr id="6" name="그림 5"/>
+          <p:cNvPicPr>
+            <a:picLocks noChangeAspect="1"/>
+          </p:cNvPicPr>
+          <p:nvPr/>
+        </p:nvPicPr>
+        <p:blipFill>
+          <a:blip r:embed="rId4"/>
+          <a:stretch>
+            <a:fillRect/>
+          </a:stretch>
+        </p:blipFill>
+        <p:spPr>
+          <a:xfrm>
+            <a:off x="1578938" y="5634176"/>
+            <a:ext cx="5077047" cy="2116960"/>
+          </a:xfrm>
+          <a:prstGeom prst="rect">
+            <a:avLst/>
+          </a:prstGeom>
+        </p:spPr>
+      </p:pic>
+    </p:spTree>
+    <p:extLst>
+      <p:ext uri="{BB962C8B-B14F-4D97-AF65-F5344CB8AC3E}">
+        <p14:creationId xmlns:p14="http://schemas.microsoft.com/office/powerpoint/2010/main" val="3586762785"/>
       </p:ext>
     </p:extLst>
   </p:cSld>

--- a/오라클 입문/표지화면 - 배 - 아현이 그림.pptx
+++ b/오라클 입문/표지화면 - 배 - 아현이 그림.pptx
@@ -7,6 +7,7 @@
   <p:sldIdLst>
     <p:sldId id="264" r:id="rId2"/>
     <p:sldId id="265" r:id="rId3"/>
+    <p:sldId id="266" r:id="rId4"/>
   </p:sldIdLst>
   <p:sldSz cx="12192000" cy="6858000"/>
   <p:notesSz cx="6858000" cy="9144000"/>
@@ -244,7 +245,7 @@
           <a:p>
             <a:fld id="{B58152FC-2466-41C1-A413-6F429B6A1989}" type="datetimeFigureOut">
               <a:rPr lang="ko-KR" altLang="en-US" smtClean="0"/>
-              <a:t>2023-03-08</a:t>
+              <a:t>2023-09-14</a:t>
             </a:fld>
             <a:endParaRPr lang="ko-KR" altLang="en-US"/>
           </a:p>
@@ -414,7 +415,7 @@
           <a:p>
             <a:fld id="{B58152FC-2466-41C1-A413-6F429B6A1989}" type="datetimeFigureOut">
               <a:rPr lang="ko-KR" altLang="en-US" smtClean="0"/>
-              <a:t>2023-03-08</a:t>
+              <a:t>2023-09-14</a:t>
             </a:fld>
             <a:endParaRPr lang="ko-KR" altLang="en-US"/>
           </a:p>
@@ -594,7 +595,7 @@
           <a:p>
             <a:fld id="{B58152FC-2466-41C1-A413-6F429B6A1989}" type="datetimeFigureOut">
               <a:rPr lang="ko-KR" altLang="en-US" smtClean="0"/>
-              <a:t>2023-03-08</a:t>
+              <a:t>2023-09-14</a:t>
             </a:fld>
             <a:endParaRPr lang="ko-KR" altLang="en-US"/>
           </a:p>
@@ -764,7 +765,7 @@
           <a:p>
             <a:fld id="{B58152FC-2466-41C1-A413-6F429B6A1989}" type="datetimeFigureOut">
               <a:rPr lang="ko-KR" altLang="en-US" smtClean="0"/>
-              <a:t>2023-03-08</a:t>
+              <a:t>2023-09-14</a:t>
             </a:fld>
             <a:endParaRPr lang="ko-KR" altLang="en-US"/>
           </a:p>
@@ -1010,7 +1011,7 @@
           <a:p>
             <a:fld id="{B58152FC-2466-41C1-A413-6F429B6A1989}" type="datetimeFigureOut">
               <a:rPr lang="ko-KR" altLang="en-US" smtClean="0"/>
-              <a:t>2023-03-08</a:t>
+              <a:t>2023-09-14</a:t>
             </a:fld>
             <a:endParaRPr lang="ko-KR" altLang="en-US"/>
           </a:p>
@@ -1242,7 +1243,7 @@
           <a:p>
             <a:fld id="{B58152FC-2466-41C1-A413-6F429B6A1989}" type="datetimeFigureOut">
               <a:rPr lang="ko-KR" altLang="en-US" smtClean="0"/>
-              <a:t>2023-03-08</a:t>
+              <a:t>2023-09-14</a:t>
             </a:fld>
             <a:endParaRPr lang="ko-KR" altLang="en-US"/>
           </a:p>
@@ -1609,7 +1610,7 @@
           <a:p>
             <a:fld id="{B58152FC-2466-41C1-A413-6F429B6A1989}" type="datetimeFigureOut">
               <a:rPr lang="ko-KR" altLang="en-US" smtClean="0"/>
-              <a:t>2023-03-08</a:t>
+              <a:t>2023-09-14</a:t>
             </a:fld>
             <a:endParaRPr lang="ko-KR" altLang="en-US"/>
           </a:p>
@@ -1727,7 +1728,7 @@
           <a:p>
             <a:fld id="{B58152FC-2466-41C1-A413-6F429B6A1989}" type="datetimeFigureOut">
               <a:rPr lang="ko-KR" altLang="en-US" smtClean="0"/>
-              <a:t>2023-03-08</a:t>
+              <a:t>2023-09-14</a:t>
             </a:fld>
             <a:endParaRPr lang="ko-KR" altLang="en-US"/>
           </a:p>
@@ -1822,7 +1823,7 @@
           <a:p>
             <a:fld id="{B58152FC-2466-41C1-A413-6F429B6A1989}" type="datetimeFigureOut">
               <a:rPr lang="ko-KR" altLang="en-US" smtClean="0"/>
-              <a:t>2023-03-08</a:t>
+              <a:t>2023-09-14</a:t>
             </a:fld>
             <a:endParaRPr lang="ko-KR" altLang="en-US"/>
           </a:p>
@@ -2099,7 +2100,7 @@
           <a:p>
             <a:fld id="{B58152FC-2466-41C1-A413-6F429B6A1989}" type="datetimeFigureOut">
               <a:rPr lang="ko-KR" altLang="en-US" smtClean="0"/>
-              <a:t>2023-03-08</a:t>
+              <a:t>2023-09-14</a:t>
             </a:fld>
             <a:endParaRPr lang="ko-KR" altLang="en-US"/>
           </a:p>
@@ -2352,7 +2353,7 @@
           <a:p>
             <a:fld id="{B58152FC-2466-41C1-A413-6F429B6A1989}" type="datetimeFigureOut">
               <a:rPr lang="ko-KR" altLang="en-US" smtClean="0"/>
-              <a:t>2023-03-08</a:t>
+              <a:t>2023-09-14</a:t>
             </a:fld>
             <a:endParaRPr lang="ko-KR" altLang="en-US"/>
           </a:p>
@@ -2565,7 +2566,7 @@
           <a:p>
             <a:fld id="{B58152FC-2466-41C1-A413-6F429B6A1989}" type="datetimeFigureOut">
               <a:rPr lang="ko-KR" altLang="en-US" smtClean="0"/>
-              <a:t>2023-03-08</a:t>
+              <a:t>2023-09-14</a:t>
             </a:fld>
             <a:endParaRPr lang="ko-KR" altLang="en-US"/>
           </a:p>
@@ -3352,6 +3353,201 @@
 </p:sld>
 </file>
 
+<file path=ppt/slides/slide3.xml><?xml version="1.0" encoding="utf-8"?>
+<p:sld xmlns:a="http://schemas.openxmlformats.org/drawingml/2006/main" xmlns:r="http://schemas.openxmlformats.org/officeDocument/2006/relationships" xmlns:p="http://schemas.openxmlformats.org/presentationml/2006/main">
+  <p:cSld>
+    <p:spTree>
+      <p:nvGrpSpPr>
+        <p:cNvPr id="1" name=""/>
+        <p:cNvGrpSpPr/>
+        <p:nvPr/>
+      </p:nvGrpSpPr>
+      <p:grpSpPr>
+        <a:xfrm>
+          <a:off x="0" y="0"/>
+          <a:ext cx="0" cy="0"/>
+          <a:chOff x="0" y="0"/>
+          <a:chExt cx="0" cy="0"/>
+        </a:xfrm>
+      </p:grpSpPr>
+      <p:pic>
+        <p:nvPicPr>
+          <p:cNvPr id="5" name="그림 4"/>
+          <p:cNvPicPr>
+            <a:picLocks noChangeAspect="1"/>
+          </p:cNvPicPr>
+          <p:nvPr/>
+        </p:nvPicPr>
+        <p:blipFill>
+          <a:blip r:embed="rId2">
+            <a:extLst>
+              <a:ext uri="{28A0092B-C50C-407E-A947-70E740481C1C}">
+                <a14:useLocalDpi xmlns:a14="http://schemas.microsoft.com/office/drawing/2010/main" val="0"/>
+              </a:ext>
+            </a:extLst>
+          </a:blip>
+          <a:stretch>
+            <a:fillRect/>
+          </a:stretch>
+        </p:blipFill>
+        <p:spPr>
+          <a:xfrm>
+            <a:off x="1" y="0"/>
+            <a:ext cx="15598019" cy="8773886"/>
+          </a:xfrm>
+          <a:prstGeom prst="rect">
+            <a:avLst/>
+          </a:prstGeom>
+        </p:spPr>
+      </p:pic>
+      <p:pic>
+        <p:nvPicPr>
+          <p:cNvPr id="17" name="그림 16"/>
+          <p:cNvPicPr>
+            <a:picLocks noChangeAspect="1"/>
+          </p:cNvPicPr>
+          <p:nvPr/>
+        </p:nvPicPr>
+        <p:blipFill>
+          <a:blip r:embed="rId3" cstate="print">
+            <a:extLst>
+              <a:ext uri="{28A0092B-C50C-407E-A947-70E740481C1C}">
+                <a14:useLocalDpi xmlns:a14="http://schemas.microsoft.com/office/drawing/2010/main" val="0"/>
+              </a:ext>
+            </a:extLst>
+          </a:blip>
+          <a:stretch>
+            <a:fillRect/>
+          </a:stretch>
+        </p:blipFill>
+        <p:spPr>
+          <a:xfrm>
+            <a:off x="4268224" y="0"/>
+            <a:ext cx="11329796" cy="5200376"/>
+          </a:xfrm>
+          <a:prstGeom prst="rect">
+            <a:avLst/>
+          </a:prstGeom>
+        </p:spPr>
+      </p:pic>
+      <p:sp>
+        <p:nvSpPr>
+          <p:cNvPr id="18" name="직사각형 17"/>
+          <p:cNvSpPr/>
+          <p:nvPr/>
+        </p:nvSpPr>
+        <p:spPr>
+          <a:xfrm>
+            <a:off x="1281223" y="5602277"/>
+            <a:ext cx="12124267" cy="2196025"/>
+          </a:xfrm>
+          <a:prstGeom prst="rect">
+            <a:avLst/>
+          </a:prstGeom>
+          <a:solidFill>
+            <a:schemeClr val="bg1"/>
+          </a:solidFill>
+          <a:ln>
+            <a:noFill/>
+          </a:ln>
+        </p:spPr>
+        <p:style>
+          <a:lnRef idx="2">
+            <a:schemeClr val="accent1">
+              <a:shade val="50000"/>
+            </a:schemeClr>
+          </a:lnRef>
+          <a:fillRef idx="1">
+            <a:schemeClr val="accent1"/>
+          </a:fillRef>
+          <a:effectRef idx="0">
+            <a:schemeClr val="accent1"/>
+          </a:effectRef>
+          <a:fontRef idx="minor">
+            <a:schemeClr val="lt1"/>
+          </a:fontRef>
+        </p:style>
+        <p:txBody>
+          <a:bodyPr rtlCol="0" anchor="ctr"/>
+          <a:lstStyle/>
+          <a:p>
+            <a:pPr algn="ctr"/>
+            <a:r>
+              <a:rPr lang="en-US" altLang="ko-KR" sz="11500" b="1" dirty="0" smtClean="0">
+                <a:ln w="0"/>
+                <a:solidFill>
+                  <a:schemeClr val="tx1"/>
+                </a:solidFill>
+                <a:latin typeface="Microsoft YaHei" panose="020B0503020204020204" pitchFamily="34" charset="-122"/>
+                <a:ea typeface="Microsoft YaHei" panose="020B0503020204020204" pitchFamily="34" charset="-122"/>
+              </a:rPr>
+              <a:t>            </a:t>
+            </a:r>
+            <a:r>
+              <a:rPr lang="en-US" altLang="ko-KR" sz="12000" b="1" dirty="0" smtClean="0">
+                <a:ln w="0"/>
+                <a:solidFill>
+                  <a:schemeClr val="tx1"/>
+                </a:solidFill>
+                <a:latin typeface="+mj-ea"/>
+                <a:ea typeface="+mj-ea"/>
+              </a:rPr>
+              <a:t>PL/SQL</a:t>
+            </a:r>
+            <a:endParaRPr lang="ko-KR" altLang="en-US" sz="12000" dirty="0">
+              <a:solidFill>
+                <a:schemeClr val="tx1"/>
+              </a:solidFill>
+              <a:latin typeface="+mj-ea"/>
+              <a:ea typeface="+mj-ea"/>
+            </a:endParaRPr>
+          </a:p>
+        </p:txBody>
+      </p:sp>
+      <p:pic>
+        <p:nvPicPr>
+          <p:cNvPr id="6" name="그림 5"/>
+          <p:cNvPicPr>
+            <a:picLocks noChangeAspect="1"/>
+          </p:cNvPicPr>
+          <p:nvPr/>
+        </p:nvPicPr>
+        <p:blipFill>
+          <a:blip r:embed="rId4"/>
+          <a:stretch>
+            <a:fillRect/>
+          </a:stretch>
+        </p:blipFill>
+        <p:spPr>
+          <a:xfrm>
+            <a:off x="1578938" y="5634176"/>
+            <a:ext cx="5077047" cy="2116960"/>
+          </a:xfrm>
+          <a:prstGeom prst="rect">
+            <a:avLst/>
+          </a:prstGeom>
+        </p:spPr>
+      </p:pic>
+    </p:spTree>
+    <p:extLst>
+      <p:ext uri="{BB962C8B-B14F-4D97-AF65-F5344CB8AC3E}">
+        <p14:creationId xmlns:p14="http://schemas.microsoft.com/office/powerpoint/2010/main" val="3441875351"/>
+      </p:ext>
+    </p:extLst>
+  </p:cSld>
+  <p:clrMapOvr>
+    <a:masterClrMapping/>
+  </p:clrMapOvr>
+  <p:timing>
+    <p:tnLst>
+      <p:par>
+        <p:cTn id="1" dur="indefinite" restart="never" nodeType="tmRoot"/>
+      </p:par>
+    </p:tnLst>
+  </p:timing>
+</p:sld>
+</file>
+
 <file path=ppt/theme/theme1.xml><?xml version="1.0" encoding="utf-8"?>
 <a:theme xmlns:a="http://schemas.openxmlformats.org/drawingml/2006/main" name="Office 테마">
   <a:themeElements>
